--- a/training-cards/agile moves/Workshops (WOR)/ger/apprentice/ger_WOR_03_Trainingsideen_sammeln_AM_A.pptx
+++ b/training-cards/agile moves/Workshops (WOR)/ger/apprentice/ger_WOR_03_Trainingsideen_sammeln_AM_A.pptx
@@ -3814,15 +3814,8 @@
             </a:r>
             <a:r>
               <a:rPr lang="de-DE" dirty="0" smtClean="0"/>
-              <a:t>Wie gut sind wir?</a:t>
-            </a:r>
-            <a:r>
-              <a:rPr lang="de-DE" dirty="0"/>
-              <a:t/>
-            </a:r>
-            <a:br>
-              <a:rPr lang="de-DE" dirty="0"/>
-            </a:br>
+              <a:t>Trainingsideen Sammeln</a:t>
+            </a:r>
             <a:endParaRPr lang="de-DE" dirty="0"/>
           </a:p>
         </p:txBody>
@@ -3852,11 +3845,7 @@
             </a:r>
             <a:r>
               <a:rPr lang="de-DE" dirty="0" smtClean="0"/>
-              <a:t>, </a:t>
-            </a:r>
-            <a:r>
-              <a:rPr lang="de-DE" smtClean="0"/>
-              <a:t>Silke Kainzbauer</a:t>
+              <a:t>, Silke Kainzbauer</a:t>
             </a:r>
             <a:endParaRPr lang="de-DE" dirty="0"/>
           </a:p>
@@ -4049,7 +4038,30 @@
             </a:pPr>
             <a:r>
               <a:rPr lang="de-DE" sz="1100" dirty="0"/>
-              <a:t>Ein Brainstorming sowie die Diskussion mit dem gesamten Team kann ein guter Startpunkt sein für erste Ideen: Was wollen wir miteinander trainieren und wie?</a:t>
+              <a:t>Ein Brainstorming sowie die Diskussion mit dem gesamten Team </a:t>
+            </a:r>
+            <a:r>
+              <a:rPr lang="de-DE" sz="1100" dirty="0" smtClean="0"/>
+              <a:t>ist ein </a:t>
+            </a:r>
+            <a:r>
+              <a:rPr lang="de-DE" sz="1100" dirty="0"/>
+              <a:t>guter </a:t>
+            </a:r>
+            <a:r>
+              <a:rPr lang="de-DE" sz="1100" dirty="0" smtClean="0"/>
+              <a:t>Startpunkt</a:t>
+            </a:r>
+            <a:br>
+              <a:rPr lang="de-DE" sz="1100" dirty="0" smtClean="0"/>
+            </a:br>
+            <a:r>
+              <a:rPr lang="de-DE" sz="1100" dirty="0" smtClean="0"/>
+              <a:t>für </a:t>
+            </a:r>
+            <a:r>
+              <a:rPr lang="de-DE" sz="1100" dirty="0"/>
+              <a:t>erste Ideen: Was wollen wir miteinander trainieren und wie?</a:t>
             </a:r>
           </a:p>
           <a:p>
@@ -4062,8 +4074,20 @@
               </a:spcBef>
             </a:pPr>
             <a:r>
+              <a:rPr lang="de-DE" sz="1100" dirty="0" smtClean="0"/>
+              <a:t>Effizientes Training erfolgt in kleinen Schritten (</a:t>
+            </a:r>
+            <a:r>
+              <a:rPr lang="de-DE" sz="1100" dirty="0" err="1" smtClean="0"/>
+              <a:t>Moves</a:t>
+            </a:r>
+            <a:r>
+              <a:rPr lang="de-DE" sz="1100" smtClean="0"/>
+              <a:t>). Die </a:t>
+            </a:r>
+            <a:r>
               <a:rPr lang="de-DE" sz="1100" dirty="0"/>
-              <a:t>Die Trainingskarte "Trainingskarte schreiben" </a:t>
+              <a:t>Trainingskarte "Trainingskarte schreiben" </a:t>
             </a:r>
             <a:r>
               <a:rPr lang="de-DE" sz="1100" dirty="0" smtClean="0"/>

--- a/training-cards/agile moves/Workshops (WOR)/ger/apprentice/ger_WOR_03_Trainingsideen_sammeln_AM_A.pptx
+++ b/training-cards/agile moves/Workshops (WOR)/ger/apprentice/ger_WOR_03_Trainingsideen_sammeln_AM_A.pptx
@@ -1053,7 +1053,7 @@
         </p:blipFill>
         <p:spPr>
           <a:xfrm>
-            <a:off x="6294053" y="3735303"/>
+            <a:off x="6199166" y="3735303"/>
             <a:ext cx="939800" cy="914400"/>
           </a:xfrm>
           <a:prstGeom prst="rect">
@@ -3813,8 +3813,8 @@
               <a:t>WS: </a:t>
             </a:r>
             <a:r>
-              <a:rPr lang="de-DE" dirty="0" smtClean="0"/>
-              <a:t>Trainingsideen Sammeln</a:t>
+              <a:rPr lang="de-DE" smtClean="0"/>
+              <a:t>Trainingsideen SAMMELN</a:t>
             </a:r>
             <a:endParaRPr lang="de-DE" dirty="0"/>
           </a:p>
@@ -3986,24 +3986,21 @@
             </a:pPr>
             <a:r>
               <a:rPr lang="de-DE" sz="1100" dirty="0"/>
-              <a:t>Nachdem das Team selbst eingeschätzt hat, was es braucht (WOR 01) und was es kann (WOR 02), ist es an der Zeit das Team zu </a:t>
+              <a:t>Grundlage ist das aktualisierte Radar Chart (TEA 06), in das nach Teamkonsens weitere Aspekte der Drain </a:t>
+            </a:r>
+            <a:r>
+              <a:rPr lang="de-DE" sz="1100" dirty="0" err="1"/>
+              <a:t>Snake</a:t>
+            </a:r>
+            <a:r>
+              <a:rPr lang="de-DE" sz="1100" dirty="0"/>
+              <a:t> (IDE 10) eingeflossen ist</a:t>
             </a:r>
             <a:r>
               <a:rPr lang="de-DE" sz="1100" dirty="0" smtClean="0"/>
-              <a:t>befähigen, </a:t>
-            </a:r>
-            <a:r>
-              <a:rPr lang="de-DE" sz="1100" dirty="0"/>
-              <a:t>das eigene </a:t>
-            </a:r>
-            <a:r>
-              <a:rPr lang="de-DE" sz="1100" dirty="0" smtClean="0"/>
-              <a:t>maßgeschneiderte Training </a:t>
-            </a:r>
-            <a:r>
-              <a:rPr lang="de-DE" sz="1100" dirty="0"/>
-              <a:t>zu erstellen.</a:t>
-            </a:r>
+              <a:t>.</a:t>
+            </a:r>
+            <a:endParaRPr lang="de-DE" sz="1100" dirty="0"/>
           </a:p>
           <a:p>
             <a:pPr>
@@ -4015,16 +4012,28 @@
               </a:spcBef>
             </a:pPr>
             <a:r>
+              <a:rPr lang="de-DE" sz="1100" dirty="0" smtClean="0"/>
+              <a:t>Nachdem </a:t>
+            </a:r>
+            <a:r>
               <a:rPr lang="de-DE" sz="1100" dirty="0"/>
-              <a:t>Der erste Schritt zum </a:t>
+              <a:t>das Team selbst eingeschätzt hat, was es braucht (WOR 01) und was es kann (WOR 02), ist es an der Zeit das Team zu </a:t>
             </a:r>
             <a:r>
               <a:rPr lang="de-DE" sz="1100" dirty="0" smtClean="0"/>
-              <a:t>eigenen Training</a:t>
+              <a:t>befähigen, </a:t>
             </a:r>
             <a:r>
               <a:rPr lang="de-DE" sz="1100" dirty="0"/>
-              <a:t>, ist eine Trainingsidee.</a:t>
+              <a:t>das eigene </a:t>
+            </a:r>
+            <a:r>
+              <a:rPr lang="de-DE" sz="1100" dirty="0" smtClean="0"/>
+              <a:t>maßgeschneiderte Training </a:t>
+            </a:r>
+            <a:r>
+              <a:rPr lang="de-DE" sz="1100" dirty="0"/>
+              <a:t>zu erstellen.</a:t>
             </a:r>
           </a:p>
           <a:p>
@@ -4037,31 +4046,20 @@
               </a:spcBef>
             </a:pPr>
             <a:r>
+              <a:rPr lang="de-DE" sz="1100" dirty="0" smtClean="0"/>
+              <a:t>Der </a:t>
+            </a:r>
+            <a:r>
               <a:rPr lang="de-DE" sz="1100" dirty="0"/>
-              <a:t>Ein Brainstorming sowie die Diskussion mit dem gesamten Team </a:t>
+              <a:t>erste Schritt zum </a:t>
             </a:r>
             <a:r>
               <a:rPr lang="de-DE" sz="1100" dirty="0" smtClean="0"/>
-              <a:t>ist ein </a:t>
+              <a:t>eigenen Training </a:t>
             </a:r>
             <a:r>
               <a:rPr lang="de-DE" sz="1100" dirty="0"/>
-              <a:t>guter </a:t>
-            </a:r>
-            <a:r>
-              <a:rPr lang="de-DE" sz="1100" dirty="0" smtClean="0"/>
-              <a:t>Startpunkt</a:t>
-            </a:r>
-            <a:br>
-              <a:rPr lang="de-DE" sz="1100" dirty="0" smtClean="0"/>
-            </a:br>
-            <a:r>
-              <a:rPr lang="de-DE" sz="1100" dirty="0" smtClean="0"/>
-              <a:t>für </a:t>
-            </a:r>
-            <a:r>
-              <a:rPr lang="de-DE" sz="1100" dirty="0"/>
-              <a:t>erste Ideen: Was wollen wir miteinander trainieren und wie?</a:t>
+              <a:t>ist eine Trainingsidee.</a:t>
             </a:r>
           </a:p>
           <a:p>
@@ -4074,37 +4072,41 @@
               </a:spcBef>
             </a:pPr>
             <a:r>
+              <a:rPr lang="de-DE" sz="1100" dirty="0"/>
+              <a:t>Ein Brainstorming sowie die Diskussion mit dem gesamten Team </a:t>
+            </a:r>
+            <a:r>
               <a:rPr lang="de-DE" sz="1100" dirty="0" smtClean="0"/>
-              <a:t>Effizientes Training erfolgt in kleinen Schritten (</a:t>
-            </a:r>
-            <a:r>
-              <a:rPr lang="de-DE" sz="1100" dirty="0" err="1" smtClean="0"/>
-              <a:t>Moves</a:t>
-            </a:r>
-            <a:r>
-              <a:rPr lang="de-DE" sz="1100" smtClean="0"/>
-              <a:t>). Die </a:t>
+              <a:t>ist ein </a:t>
             </a:r>
             <a:r>
               <a:rPr lang="de-DE" sz="1100" dirty="0"/>
-              <a:t>Trainingskarte "Trainingskarte schreiben" </a:t>
+              <a:t>guter </a:t>
             </a:r>
             <a:r>
               <a:rPr lang="de-DE" sz="1100" dirty="0" smtClean="0"/>
-              <a:t>(TRC 04) </a:t>
+              <a:t>Startpunkt</a:t>
+            </a:r>
+            <a:br>
+              <a:rPr lang="de-DE" sz="1100" dirty="0" smtClean="0"/>
+            </a:br>
+            <a:r>
+              <a:rPr lang="de-DE" sz="1100" dirty="0" smtClean="0"/>
+              <a:t>für </a:t>
             </a:r>
             <a:r>
               <a:rPr lang="de-DE" sz="1100" dirty="0"/>
-              <a:t>kann helfen einen ersten Eindruck vom Aufbau und dem Verfassen eines </a:t>
-            </a:r>
-            <a:r>
-              <a:rPr lang="de-DE" sz="1100" dirty="0" err="1"/>
-              <a:t>Moves</a:t>
+              <a:t>erste Ideen: Was wollen wir miteinander trainieren und wie</a:t>
+            </a:r>
+            <a:r>
+              <a:rPr lang="de-DE" sz="1100" dirty="0" smtClean="0"/>
+              <a:t>?</a:t>
             </a:r>
             <a:r>
               <a:rPr lang="de-DE" sz="1100" dirty="0"/>
-              <a:t> zu bekommen.</a:t>
-            </a:r>
+              <a:t> </a:t>
+            </a:r>
+            <a:endParaRPr lang="de-DE" sz="1100" dirty="0" smtClean="0"/>
           </a:p>
           <a:p>
             <a:pPr>
@@ -4116,8 +4118,12 @@
               </a:spcBef>
             </a:pPr>
             <a:r>
+              <a:rPr lang="de-DE" sz="1100" dirty="0" smtClean="0"/>
+              <a:t>Die </a:t>
+            </a:r>
+            <a:r>
               <a:rPr lang="de-DE" sz="1100" dirty="0"/>
-              <a:t>Die Ideen in einem </a:t>
+              <a:t>Ideen in einem </a:t>
             </a:r>
             <a:r>
               <a:rPr lang="de-DE" sz="1100" dirty="0" err="1"/>
@@ -4125,12 +4131,21 @@
             </a:r>
             <a:r>
               <a:rPr lang="de-DE" sz="1100" dirty="0"/>
-              <a:t> zu priorisieren kann Euch helfen herauszufinden, welche Trainingsideen für euch die wichtigsten </a:t>
+              <a:t> </a:t>
             </a:r>
             <a:r>
               <a:rPr lang="de-DE" sz="1100" dirty="0" smtClean="0"/>
-              <a:t>sind.</a:t>
-            </a:r>
+              <a:t>zu sammeln und priorisieren, ermöglicht, die für das </a:t>
+            </a:r>
+            <a:r>
+              <a:rPr lang="de-DE" sz="1100" dirty="0"/>
+              <a:t>T</a:t>
+            </a:r>
+            <a:r>
+              <a:rPr lang="de-DE" sz="1100" dirty="0" smtClean="0"/>
+              <a:t>eam wichtigsten Trainingsideen präsent zu haben.</a:t>
+            </a:r>
+            <a:endParaRPr lang="de-DE" sz="1100" dirty="0"/>
           </a:p>
           <a:p>
             <a:pPr>
@@ -4141,6 +4156,34 @@
                 <a:spcPts val="800"/>
               </a:spcBef>
             </a:pPr>
+            <a:r>
+              <a:rPr lang="de-DE" sz="1100" dirty="0" smtClean="0"/>
+              <a:t>Effizientes Training erfolgt in kleinen kontinuierlichen Schritten (</a:t>
+            </a:r>
+            <a:r>
+              <a:rPr lang="de-DE" sz="1100" dirty="0" err="1" smtClean="0"/>
+              <a:t>Moves</a:t>
+            </a:r>
+            <a:r>
+              <a:rPr lang="de-DE" sz="1100" dirty="0" smtClean="0"/>
+              <a:t>). Einen ersten </a:t>
+            </a:r>
+            <a:r>
+              <a:rPr lang="de-DE" sz="1100" dirty="0"/>
+              <a:t>Eindruck vom Aufbau und dem Verfassen eines </a:t>
+            </a:r>
+            <a:r>
+              <a:rPr lang="de-DE" sz="1100" dirty="0" err="1"/>
+              <a:t>Moves</a:t>
+            </a:r>
+            <a:r>
+              <a:rPr lang="de-DE" sz="1100" dirty="0"/>
+              <a:t> </a:t>
+            </a:r>
+            <a:r>
+              <a:rPr lang="de-DE" sz="1100" dirty="0" smtClean="0"/>
+              <a:t>vermittelt die Trainingskarte "Trainingskarten schreiben" (TRC 04), die im oder nach dem Workshop angeschaut werden kann.</a:t>
+            </a:r>
             <a:endParaRPr lang="de-DE" sz="1100" dirty="0"/>
           </a:p>
           <a:p>
@@ -4163,6 +4206,13 @@
     <a:masterClrMapping/>
   </p:clrMapOvr>
   <p:transition xmlns:p14="http://schemas.microsoft.com/office/powerpoint/2010/main" spd="med"/>
+  <p:timing>
+    <p:tnLst>
+      <p:par>
+        <p:cTn xmlns:p14="http://schemas.microsoft.com/office/powerpoint/2010/main" id="1" dur="indefinite" restart="never" nodeType="tmRoot"/>
+      </p:par>
+    </p:tnLst>
+  </p:timing>
 </p:sld>
 </file>
 
@@ -4196,7 +4246,7 @@
         <p:spPr>
           <a:xfrm>
             <a:off x="858836" y="1436712"/>
-            <a:ext cx="6382810" cy="3500178"/>
+            <a:ext cx="6243289" cy="3500178"/>
           </a:xfrm>
         </p:spPr>
         <p:txBody>
@@ -4207,121 +4257,266 @@
           <a:p>
             <a:pPr>
               <a:lnSpc>
-                <a:spcPts val="1300"/>
+                <a:spcPts val="1400"/>
               </a:lnSpc>
               <a:spcBef>
                 <a:spcPts val="800"/>
               </a:spcBef>
             </a:pPr>
             <a:r>
-              <a:rPr lang="de-DE" dirty="0" smtClean="0">
+              <a:rPr lang="de-DE" sz="1100" dirty="0" smtClean="0">
                 <a:latin typeface="Avenir Heavy"/>
                 <a:cs typeface="Avenir Heavy"/>
               </a:rPr>
               <a:t>Material: </a:t>
             </a:r>
             <a:r>
-              <a:rPr lang="de-DE" dirty="0" smtClean="0"/>
+              <a:rPr lang="de-DE" sz="1100" dirty="0" smtClean="0"/>
               <a:t>Klebezettel</a:t>
             </a:r>
-            <a:endParaRPr lang="de-DE" dirty="0"/>
+            <a:endParaRPr lang="de-DE" sz="1100" dirty="0"/>
           </a:p>
           <a:p>
             <a:pPr>
               <a:lnSpc>
-                <a:spcPts val="1300"/>
+                <a:spcPts val="1400"/>
               </a:lnSpc>
               <a:spcBef>
                 <a:spcPts val="800"/>
               </a:spcBef>
             </a:pPr>
             <a:r>
-              <a:rPr lang="de-DE" dirty="0" smtClean="0">
+              <a:rPr lang="de-DE" sz="1100" dirty="0" smtClean="0">
                 <a:latin typeface="Avenir Heavy"/>
                 <a:cs typeface="Avenir Heavy"/>
               </a:rPr>
               <a:t>Zeit: </a:t>
             </a:r>
             <a:r>
-              <a:rPr lang="de-DE" dirty="0" smtClean="0"/>
+              <a:rPr lang="de-DE" sz="1100" dirty="0" smtClean="0"/>
               <a:t>ca. 60 Minuten</a:t>
             </a:r>
           </a:p>
           <a:p>
-            <a:r>
-              <a:rPr lang="de-DE" dirty="0"/>
-              <a:t>Schafft euch Raum für ein Ideenbacklog an eurem Team Board, wo ihr </a:t>
-            </a:r>
-            <a:r>
-              <a:rPr lang="de-DE" dirty="0" err="1"/>
+            <a:pPr>
+              <a:lnSpc>
+                <a:spcPts val="1400"/>
+              </a:lnSpc>
+              <a:spcBef>
+                <a:spcPts val="800"/>
+              </a:spcBef>
+            </a:pPr>
+            <a:r>
+              <a:rPr lang="de-DE" sz="1100" dirty="0"/>
+              <a:t>Schafft euch Raum für ein </a:t>
+            </a:r>
+            <a:r>
+              <a:rPr lang="de-DE" sz="1100" dirty="0" smtClean="0"/>
+              <a:t>Ideenbacklog, </a:t>
+            </a:r>
+            <a:r>
+              <a:rPr lang="de-DE" sz="1100" dirty="0"/>
+              <a:t>wo ihr </a:t>
+            </a:r>
+            <a:r>
+              <a:rPr lang="de-DE" sz="1100" dirty="0" err="1"/>
               <a:t>Moveideen</a:t>
             </a:r>
             <a:r>
-              <a:rPr lang="de-DE" dirty="0"/>
-              <a:t> sammeln und ihnen später einmal eine Rangfolge geben könnt.</a:t>
-            </a:r>
-            <a:endParaRPr lang="de-DE" dirty="0"/>
-          </a:p>
-          <a:p>
-            <a:r>
-              <a:rPr lang="de-DE" dirty="0"/>
-              <a:t>Sammelt im gesamten Team Ideen für euer Training. Schreibt jede Idee auf ein Post </a:t>
-            </a:r>
-            <a:r>
-              <a:rPr lang="de-DE" dirty="0" err="1"/>
-              <a:t>It</a:t>
-            </a:r>
-            <a:r>
-              <a:rPr lang="de-DE" dirty="0"/>
-              <a:t> und klebt sie in Euer </a:t>
-            </a:r>
-            <a:r>
-              <a:rPr lang="de-DE" dirty="0" err="1"/>
+              <a:rPr lang="de-DE" sz="1100" dirty="0"/>
+              <a:t> sammeln </a:t>
+            </a:r>
+            <a:r>
+              <a:rPr lang="de-DE" sz="1100" dirty="0" smtClean="0"/>
+              <a:t>und </a:t>
+            </a:r>
+            <a:r>
+              <a:rPr lang="de-DE" sz="1100" dirty="0"/>
+              <a:t>ihnen später einmal eine Rangfolge geben könnt</a:t>
+            </a:r>
+            <a:r>
+              <a:rPr lang="de-DE" sz="1100" dirty="0" smtClean="0"/>
+              <a:t>.</a:t>
+            </a:r>
+            <a:r>
+              <a:rPr lang="de-DE" sz="1100" dirty="0"/>
+              <a:t> </a:t>
+            </a:r>
+            <a:r>
+              <a:rPr lang="de-DE" sz="1100" dirty="0" smtClean="0"/>
+              <a:t>Ein guter Platz ist beispielsweise Eurer </a:t>
+            </a:r>
+            <a:r>
+              <a:rPr lang="de-DE" sz="1100" dirty="0"/>
+              <a:t>Team </a:t>
+            </a:r>
+            <a:r>
+              <a:rPr lang="de-DE" sz="1100" dirty="0" smtClean="0"/>
+              <a:t>Board.</a:t>
+            </a:r>
+            <a:endParaRPr lang="de-DE" sz="1100" dirty="0"/>
+          </a:p>
+          <a:p>
+            <a:pPr>
+              <a:lnSpc>
+                <a:spcPts val="1400"/>
+              </a:lnSpc>
+              <a:spcBef>
+                <a:spcPts val="800"/>
+              </a:spcBef>
+            </a:pPr>
+            <a:r>
+              <a:rPr lang="de-DE" sz="1100" dirty="0"/>
+              <a:t>Sammelt im gesamten Team Ideen für euer Training. Schreibt jede Idee auf </a:t>
+            </a:r>
+            <a:r>
+              <a:rPr lang="de-DE" sz="1100" dirty="0" smtClean="0"/>
+              <a:t>einen </a:t>
+            </a:r>
+            <a:br>
+              <a:rPr lang="de-DE" sz="1100" dirty="0" smtClean="0"/>
+            </a:br>
+            <a:r>
+              <a:rPr lang="de-DE" sz="1100" dirty="0" smtClean="0"/>
+              <a:t>Klebezettel und </a:t>
+            </a:r>
+            <a:r>
+              <a:rPr lang="de-DE" sz="1100" dirty="0"/>
+              <a:t>klebt sie in Euer </a:t>
+            </a:r>
+            <a:r>
+              <a:rPr lang="de-DE" sz="1100" dirty="0" err="1"/>
               <a:t>Backlog</a:t>
             </a:r>
             <a:r>
-              <a:rPr lang="de-DE" dirty="0"/>
+              <a:rPr lang="de-DE" sz="1100" dirty="0"/>
               <a:t>.</a:t>
             </a:r>
-            <a:endParaRPr lang="de-DE" dirty="0"/>
-          </a:p>
-          <a:p>
-            <a:r>
-              <a:rPr lang="de-DE" dirty="0"/>
+            <a:endParaRPr lang="de-DE" sz="1100" dirty="0"/>
+          </a:p>
+          <a:p>
+            <a:pPr>
+              <a:lnSpc>
+                <a:spcPts val="1400"/>
+              </a:lnSpc>
+              <a:spcBef>
+                <a:spcPts val="800"/>
+              </a:spcBef>
+            </a:pPr>
+            <a:r>
+              <a:rPr lang="de-DE" sz="1100" dirty="0"/>
               <a:t>Sobald eine Idee im </a:t>
             </a:r>
             <a:r>
-              <a:rPr lang="de-DE" dirty="0" err="1"/>
+              <a:rPr lang="de-DE" sz="1100" dirty="0" err="1"/>
               <a:t>Backlog</a:t>
             </a:r>
             <a:r>
-              <a:rPr lang="de-DE" dirty="0"/>
-              <a:t> ist, kann jedes Teammitglied diese Idee von 1-5 Sternen bewerten, wobei 5 großartig und 1 </a:t>
-            </a:r>
-            <a:r>
-              <a:rPr lang="de-DE" dirty="0" err="1"/>
+              <a:rPr lang="de-DE" sz="1100" dirty="0"/>
+              <a:t> ist, kann jedes Teammitglied diese Idee </a:t>
+            </a:r>
+            <a:r>
+              <a:rPr lang="de-DE" sz="1100" dirty="0" smtClean="0"/>
+              <a:t>von 1 - 5 </a:t>
+            </a:r>
+            <a:r>
+              <a:rPr lang="de-DE" sz="1100" dirty="0"/>
+              <a:t>Sternen bewerten, </a:t>
+            </a:r>
+            <a:r>
+              <a:rPr lang="de-DE" sz="1100" dirty="0" smtClean="0"/>
+              <a:t>wobei </a:t>
+            </a:r>
+            <a:r>
+              <a:rPr lang="de-DE" sz="1100" dirty="0"/>
+              <a:t>5 </a:t>
+            </a:r>
+            <a:r>
+              <a:rPr lang="de-DE" sz="1100" dirty="0" smtClean="0"/>
+              <a:t>„großartig“ </a:t>
+            </a:r>
+            <a:r>
+              <a:rPr lang="de-DE" sz="1100" dirty="0"/>
+              <a:t>und 1 </a:t>
+            </a:r>
+            <a:r>
+              <a:rPr lang="de-DE" sz="1100" dirty="0" smtClean="0"/>
+              <a:t>„</a:t>
+            </a:r>
+            <a:r>
+              <a:rPr lang="de-DE" sz="1100" dirty="0" err="1" smtClean="0"/>
               <a:t>grottig</a:t>
             </a:r>
             <a:r>
-              <a:rPr lang="de-DE" dirty="0"/>
-              <a:t> ist. Klebt zu jedem vergebenen Stern entsprechende Klebepunkte auf die Idee.</a:t>
-            </a:r>
-            <a:endParaRPr lang="de-DE" dirty="0"/>
-          </a:p>
-          <a:p>
-            <a:r>
-              <a:rPr lang="de-DE" dirty="0"/>
+              <a:rPr lang="de-DE" sz="1100" dirty="0" smtClean="0"/>
+              <a:t>“ ist</a:t>
+            </a:r>
+            <a:r>
+              <a:rPr lang="de-DE" sz="1100" dirty="0"/>
+              <a:t>. Klebt </a:t>
+            </a:r>
+            <a:r>
+              <a:rPr lang="de-DE" sz="1100" dirty="0" smtClean="0"/>
+              <a:t>für jeden </a:t>
+            </a:r>
+            <a:r>
+              <a:rPr lang="de-DE" sz="1100" dirty="0"/>
+              <a:t>vergebenen </a:t>
+            </a:r>
+            <a:r>
+              <a:rPr lang="de-DE" sz="1100" dirty="0" smtClean="0"/>
+              <a:t>Stern </a:t>
+            </a:r>
+            <a:br>
+              <a:rPr lang="de-DE" sz="1100" dirty="0" smtClean="0"/>
+            </a:br>
+            <a:r>
+              <a:rPr lang="de-DE" sz="1100" dirty="0" smtClean="0"/>
+              <a:t>jeweils einen Klebepunkt auf </a:t>
+            </a:r>
+            <a:r>
+              <a:rPr lang="de-DE" sz="1100" dirty="0"/>
+              <a:t>die Idee.</a:t>
+            </a:r>
+            <a:endParaRPr lang="de-DE" sz="1100" dirty="0"/>
+          </a:p>
+          <a:p>
+            <a:pPr>
+              <a:lnSpc>
+                <a:spcPts val="1400"/>
+              </a:lnSpc>
+              <a:spcBef>
+                <a:spcPts val="800"/>
+              </a:spcBef>
+            </a:pPr>
+            <a:r>
+              <a:rPr lang="de-DE" sz="1100" dirty="0"/>
               <a:t>Lasst Eurer </a:t>
             </a:r>
             <a:r>
-              <a:rPr lang="de-DE" dirty="0" err="1"/>
+              <a:rPr lang="de-DE" sz="1100" dirty="0" err="1"/>
               <a:t>Backlog</a:t>
             </a:r>
             <a:r>
-              <a:rPr lang="de-DE" dirty="0"/>
-              <a:t> noch 2 Wochen nachwirken und füllt es unter der Zeit mit weiteren Trainingsideen, die Euch während der Arbeit einfallen, und bewertet sie.</a:t>
-            </a:r>
-            <a:endParaRPr lang="de-DE" dirty="0"/>
+              <a:rPr lang="de-DE" sz="1100" dirty="0"/>
+              <a:t> noch 2 Wochen nachwirken und füllt es unter der Zeit mit </a:t>
+            </a:r>
+            <a:r>
+              <a:rPr lang="de-DE" sz="1100" dirty="0" smtClean="0"/>
+              <a:t/>
+            </a:r>
+            <a:br>
+              <a:rPr lang="de-DE" sz="1100" dirty="0" smtClean="0"/>
+            </a:br>
+            <a:r>
+              <a:rPr lang="de-DE" sz="1100" dirty="0" smtClean="0"/>
+              <a:t>weiteren </a:t>
+            </a:r>
+            <a:r>
+              <a:rPr lang="de-DE" sz="1100" dirty="0"/>
+              <a:t>Trainingsideen, die Euch während der Arbeit einfallen, und bewertet sie.</a:t>
+            </a:r>
+            <a:endParaRPr lang="de-DE" sz="1100" dirty="0"/>
           </a:p>
         </p:txBody>
       </p:sp>
@@ -4331,6 +4526,13 @@
     <a:masterClrMapping/>
   </p:clrMapOvr>
   <p:transition xmlns:p14="http://schemas.microsoft.com/office/powerpoint/2010/main" spd="med"/>
+  <p:timing>
+    <p:tnLst>
+      <p:par>
+        <p:cTn xmlns:p14="http://schemas.microsoft.com/office/powerpoint/2010/main" id="1" dur="indefinite" restart="never" nodeType="tmRoot"/>
+      </p:par>
+    </p:tnLst>
+  </p:timing>
 </p:sld>
 </file>
 

--- a/training-cards/agile moves/Workshops (WOR)/ger/apprentice/ger_WOR_03_Trainingsideen_sammeln_AM_A.pptx
+++ b/training-cards/agile moves/Workshops (WOR)/ger/apprentice/ger_WOR_03_Trainingsideen_sammeln_AM_A.pptx
@@ -1053,7 +1053,7 @@
         </p:blipFill>
         <p:spPr>
           <a:xfrm>
-            <a:off x="6199166" y="3735303"/>
+            <a:off x="6163624" y="563227"/>
             <a:ext cx="939800" cy="914400"/>
           </a:xfrm>
           <a:prstGeom prst="rect">
@@ -1101,7 +1101,7 @@
                 <a:latin typeface="Avenir Light"/>
                 <a:cs typeface="Avenir Light"/>
               </a:rPr>
-              <a:t>27.11.15</a:t>
+              <a:t>28.06.16</a:t>
             </a:fld>
             <a:endParaRPr lang="de-DE" sz="600" dirty="0">
               <a:solidFill>
@@ -1755,7 +1755,7 @@
                 <a:latin typeface="Avenir Light"/>
                 <a:cs typeface="Avenir Light"/>
               </a:rPr>
-              <a:t>27.11.15</a:t>
+              <a:t>28.06.16</a:t>
             </a:fld>
             <a:endParaRPr lang="de-DE" sz="600" dirty="0">
               <a:solidFill>
@@ -1887,7 +1887,7 @@
                 <a:latin typeface="Avenir Light"/>
                 <a:cs typeface="Avenir Light"/>
               </a:rPr>
-              <a:t>27.11.15</a:t>
+              <a:t>28.06.16</a:t>
             </a:fld>
             <a:endParaRPr lang="de-DE" sz="600" dirty="0">
               <a:solidFill>
@@ -2514,7 +2514,7 @@
                 <a:latin typeface="Avenir Light"/>
                 <a:cs typeface="Avenir Light"/>
               </a:rPr>
-              <a:t>27.11.15</a:t>
+              <a:t>28.06.16</a:t>
             </a:fld>
             <a:endParaRPr lang="de-DE" sz="600" dirty="0">
               <a:solidFill>
@@ -2695,7 +2695,7 @@
                 <a:latin typeface="Avenir Light"/>
                 <a:cs typeface="Avenir Light"/>
               </a:rPr>
-              <a:t>27.11.15</a:t>
+              <a:t>28.06.16</a:t>
             </a:fld>
             <a:endParaRPr lang="de-DE" sz="600" dirty="0">
               <a:solidFill>
@@ -4017,24 +4017,13 @@
             </a:r>
             <a:r>
               <a:rPr lang="de-DE" sz="1100" dirty="0"/>
-              <a:t>das Team selbst eingeschätzt hat, was es braucht (WOR 01) und was es kann (WOR 02), ist es an der Zeit das Team zu </a:t>
-            </a:r>
-            <a:r>
-              <a:rPr lang="de-DE" sz="1100" dirty="0" smtClean="0"/>
-              <a:t>befähigen, </a:t>
+              <a:t>das Team selbst eingeschätzt hat, was es braucht (WOR 01) und was es kann (WOR 02), </a:t>
             </a:r>
             <a:r>
               <a:rPr lang="de-DE" sz="1100" dirty="0"/>
-              <a:t>das eigene </a:t>
-            </a:r>
-            <a:r>
-              <a:rPr lang="de-DE" sz="1100" dirty="0" smtClean="0"/>
-              <a:t>maßgeschneiderte Training </a:t>
-            </a:r>
-            <a:r>
-              <a:rPr lang="de-DE" sz="1100" dirty="0"/>
-              <a:t>zu erstellen.</a:t>
-            </a:r>
+              <a:t>sind die Workshops 3 und 4 darauf ausgerichtet, sich ein maßgeschneidertes Training zu erstellen.</a:t>
+            </a:r>
+            <a:endParaRPr lang="de-DE" sz="1100" dirty="0"/>
           </a:p>
           <a:p>
             <a:pPr>
@@ -4046,20 +4035,12 @@
               </a:spcBef>
             </a:pPr>
             <a:r>
+              <a:rPr lang="de-DE" sz="1100" dirty="0"/>
+              <a:t>Ein Brainstorming sowie die Diskussion mit dem gesamten Team ist ein guter Startpunkt für erste Ideen: Was wollen wir miteinander trainieren und wie</a:t>
+            </a:r>
+            <a:r>
               <a:rPr lang="de-DE" sz="1100" dirty="0" smtClean="0"/>
-              <a:t>Der </a:t>
-            </a:r>
-            <a:r>
-              <a:rPr lang="de-DE" sz="1100" dirty="0"/>
-              <a:t>erste Schritt zum </a:t>
-            </a:r>
-            <a:r>
-              <a:rPr lang="de-DE" sz="1100" dirty="0" smtClean="0"/>
-              <a:t>eigenen Training </a:t>
-            </a:r>
-            <a:r>
-              <a:rPr lang="de-DE" sz="1100" dirty="0"/>
-              <a:t>ist eine Trainingsidee.</a:t>
+              <a:t>?</a:t>
             </a:r>
           </a:p>
           <a:p>
@@ -4072,41 +4053,21 @@
               </a:spcBef>
             </a:pPr>
             <a:r>
+              <a:rPr lang="de-DE" sz="1100" dirty="0" smtClean="0"/>
+              <a:t> </a:t>
+            </a:r>
+            <a:r>
               <a:rPr lang="de-DE" sz="1100" dirty="0"/>
-              <a:t>Ein Brainstorming sowie die Diskussion mit dem gesamten Team </a:t>
-            </a:r>
-            <a:r>
-              <a:rPr lang="de-DE" sz="1100" dirty="0" smtClean="0"/>
-              <a:t>ist ein </a:t>
+              <a:t>Effizientes Training erfolgt in kleinen kontinuierlichen Schritten (</a:t>
+            </a:r>
+            <a:r>
+              <a:rPr lang="de-DE" sz="1100" dirty="0" err="1"/>
+              <a:t>Moves</a:t>
             </a:r>
             <a:r>
               <a:rPr lang="de-DE" sz="1100" dirty="0"/>
-              <a:t>guter </a:t>
-            </a:r>
-            <a:r>
-              <a:rPr lang="de-DE" sz="1100" dirty="0" smtClean="0"/>
-              <a:t>Startpunkt</a:t>
-            </a:r>
-            <a:br>
-              <a:rPr lang="de-DE" sz="1100" dirty="0" smtClean="0"/>
-            </a:br>
-            <a:r>
-              <a:rPr lang="de-DE" sz="1100" dirty="0" smtClean="0"/>
-              <a:t>für </a:t>
-            </a:r>
-            <a:r>
-              <a:rPr lang="de-DE" sz="1100" dirty="0"/>
-              <a:t>erste Ideen: Was wollen wir miteinander trainieren und wie</a:t>
-            </a:r>
-            <a:r>
-              <a:rPr lang="de-DE" sz="1100" dirty="0" smtClean="0"/>
-              <a:t>?</a:t>
-            </a:r>
-            <a:r>
-              <a:rPr lang="de-DE" sz="1100" dirty="0"/>
-              <a:t> </a:t>
-            </a:r>
-            <a:endParaRPr lang="de-DE" sz="1100" dirty="0" smtClean="0"/>
+              <a:t>). Jede Trainingsidee ist ein Move und sollte daher nur einen kleinen einfachen Trainingsschritt beinhalten, der in 1- 2 Wochen gut im Arbeitsalltag zu bewältigen ist. </a:t>
+            </a:r>
           </a:p>
           <a:p>
             <a:pPr>
@@ -4119,31 +4080,23 @@
             </a:pPr>
             <a:r>
               <a:rPr lang="de-DE" sz="1100" dirty="0" smtClean="0"/>
-              <a:t>Die </a:t>
+              <a:t>Wenn </a:t>
             </a:r>
             <a:r>
               <a:rPr lang="de-DE" sz="1100" dirty="0"/>
-              <a:t>Ideen in einem </a:t>
+              <a:t>eine Trainingsidee zu groß ist, sollte sie in kleine, aufeinanderfolgende </a:t>
             </a:r>
             <a:r>
               <a:rPr lang="de-DE" sz="1100" dirty="0" err="1"/>
-              <a:t>Backlog</a:t>
+              <a:t>Moves</a:t>
             </a:r>
             <a:r>
               <a:rPr lang="de-DE" sz="1100" dirty="0"/>
-              <a:t> </a:t>
+              <a:t> herunter gebrochen werden</a:t>
             </a:r>
             <a:r>
               <a:rPr lang="de-DE" sz="1100" dirty="0" smtClean="0"/>
-              <a:t>zu sammeln und priorisieren, ermöglicht, die für das </a:t>
-            </a:r>
-            <a:r>
-              <a:rPr lang="de-DE" sz="1100" dirty="0"/>
-              <a:t>T</a:t>
-            </a:r>
-            <a:r>
-              <a:rPr lang="de-DE" sz="1100" dirty="0" smtClean="0"/>
-              <a:t>eam wichtigsten Trainingsideen präsent zu haben.</a:t>
+              <a:t>.</a:t>
             </a:r>
             <a:endParaRPr lang="de-DE" sz="1100" dirty="0"/>
           </a:p>
@@ -4158,44 +4111,20 @@
             </a:pPr>
             <a:r>
               <a:rPr lang="de-DE" sz="1100" dirty="0" smtClean="0"/>
-              <a:t>Effizientes Training erfolgt in kleinen kontinuierlichen Schritten (</a:t>
-            </a:r>
-            <a:r>
-              <a:rPr lang="de-DE" sz="1100" dirty="0" err="1" smtClean="0"/>
-              <a:t>Moves</a:t>
-            </a:r>
-            <a:r>
-              <a:rPr lang="de-DE" sz="1100" dirty="0" smtClean="0"/>
-              <a:t>). Einen ersten </a:t>
+              <a:t>Die </a:t>
             </a:r>
             <a:r>
               <a:rPr lang="de-DE" sz="1100" dirty="0"/>
-              <a:t>Eindruck vom Aufbau und dem Verfassen eines </a:t>
+              <a:t>Ideen in einem </a:t>
             </a:r>
             <a:r>
               <a:rPr lang="de-DE" sz="1100" dirty="0" err="1"/>
-              <a:t>Moves</a:t>
+              <a:t>Backlog</a:t>
             </a:r>
             <a:r>
               <a:rPr lang="de-DE" sz="1100" dirty="0"/>
-              <a:t> </a:t>
-            </a:r>
-            <a:r>
-              <a:rPr lang="de-DE" sz="1100" dirty="0" smtClean="0"/>
-              <a:t>vermittelt die Trainingskarte "Trainingskarten schreiben" (TRC 04), die im oder nach dem Workshop angeschaut werden kann.</a:t>
-            </a:r>
-            <a:endParaRPr lang="de-DE" sz="1100" dirty="0"/>
-          </a:p>
-          <a:p>
-            <a:pPr marL="0" indent="0">
-              <a:lnSpc>
-                <a:spcPts val="1400"/>
-              </a:lnSpc>
-              <a:spcBef>
-                <a:spcPts val="800"/>
-              </a:spcBef>
-              <a:buNone/>
-            </a:pPr>
+              <a:t> zu sammeln und später zu priorisieren, ermöglicht, die für das Team wichtigsten Trainingsideen präsent zu haben.</a:t>
+            </a:r>
             <a:endParaRPr lang="de-DE" sz="1100" dirty="0"/>
           </a:p>
         </p:txBody>
@@ -4294,8 +4223,13 @@
             </a:r>
             <a:r>
               <a:rPr lang="de-DE" sz="1100" dirty="0" smtClean="0"/>
-              <a:t>ca. 60 Minuten</a:t>
-            </a:r>
+              <a:t>60 </a:t>
+            </a:r>
+            <a:r>
+              <a:rPr lang="de-DE" sz="1100" dirty="0"/>
+              <a:t>Minuten bei einem Team von 5 - 10 Personen</a:t>
+            </a:r>
+            <a:endParaRPr lang="de-DE" sz="1100" dirty="0" smtClean="0"/>
           </a:p>
           <a:p>
             <a:pPr>
@@ -4308,53 +4242,8 @@
             </a:pPr>
             <a:r>
               <a:rPr lang="de-DE" sz="1100" dirty="0"/>
-              <a:t>Schafft euch Raum für ein </a:t>
-            </a:r>
-            <a:r>
-              <a:rPr lang="de-DE" sz="1100" dirty="0" smtClean="0"/>
-              <a:t>Ideenbacklog, </a:t>
-            </a:r>
-            <a:r>
-              <a:rPr lang="de-DE" sz="1100" dirty="0"/>
-              <a:t>wo ihr </a:t>
-            </a:r>
-            <a:r>
-              <a:rPr lang="de-DE" sz="1100" dirty="0" err="1"/>
-              <a:t>Moveideen</a:t>
-            </a:r>
-            <a:r>
-              <a:rPr lang="de-DE" sz="1100" dirty="0"/>
-              <a:t> sammeln </a:t>
-            </a:r>
-            <a:r>
-              <a:rPr lang="de-DE" sz="1100" dirty="0" smtClean="0"/>
-              <a:t>und </a:t>
-            </a:r>
-            <a:r>
-              <a:rPr lang="de-DE" sz="1100" dirty="0"/>
-              <a:t>ihnen später einmal eine Rangfolge geben könnt</a:t>
-            </a:r>
-            <a:r>
-              <a:rPr lang="de-DE" sz="1100" dirty="0" smtClean="0"/>
-              <a:t>.</a:t>
-            </a:r>
-            <a:r>
-              <a:rPr lang="de-DE" sz="1100" dirty="0"/>
-              <a:t> </a:t>
-            </a:r>
-            <a:r>
-              <a:rPr lang="de-DE" sz="1100" dirty="0" smtClean="0"/>
-              <a:t>Ein guter Platz ist beispielsweise Eurer </a:t>
-            </a:r>
-            <a:r>
-              <a:rPr lang="de-DE" sz="1100" dirty="0"/>
-              <a:t>Team </a:t>
-            </a:r>
-            <a:r>
-              <a:rPr lang="de-DE" sz="1100" dirty="0" smtClean="0"/>
-              <a:t>Board.</a:t>
-            </a:r>
-            <a:endParaRPr lang="de-DE" sz="1100" dirty="0"/>
+              <a:t>Sammelt in einem Brainstorming jeder für sich 5 Minuten lang Ideen für euer Training: Was wollt ihr trainieren? </a:t>
+            </a:r>
           </a:p>
           <a:p>
             <a:pPr>
@@ -4366,33 +4255,13 @@
               </a:spcBef>
             </a:pPr>
             <a:r>
+              <a:rPr lang="de-DE" sz="1100" dirty="0" smtClean="0"/>
+              <a:t>Jede </a:t>
+            </a:r>
+            <a:r>
               <a:rPr lang="de-DE" sz="1100" dirty="0"/>
-              <a:t>Sammelt im gesamten Team Ideen für euer Training. Schreibt jede Idee auf </a:t>
-            </a:r>
-            <a:r>
-              <a:rPr lang="de-DE" sz="1100" dirty="0" smtClean="0"/>
-              <a:t>einen </a:t>
-            </a:r>
-            <a:br>
-              <a:rPr lang="de-DE" sz="1100" dirty="0" smtClean="0"/>
-            </a:br>
-            <a:r>
-              <a:rPr lang="de-DE" sz="1100" dirty="0" smtClean="0"/>
-              <a:t>Klebezettel und </a:t>
-            </a:r>
-            <a:r>
-              <a:rPr lang="de-DE" sz="1100" dirty="0"/>
-              <a:t>klebt sie in Euer </a:t>
-            </a:r>
-            <a:r>
-              <a:rPr lang="de-DE" sz="1100" dirty="0" err="1"/>
-              <a:t>Backlog</a:t>
-            </a:r>
-            <a:r>
-              <a:rPr lang="de-DE" sz="1100" dirty="0"/>
-              <a:t>.</a:t>
-            </a:r>
-            <a:endParaRPr lang="de-DE" sz="1100" dirty="0"/>
+              <a:t>Trainingsidee sollte nur einen kleinen einfachen Trainingsschritt beinhalten, der in 1- 2 Wochen gut im Arbeitsalltag zu bewältigen ist. Schreibt jede Idee auf einen Klebezettel. </a:t>
+            </a:r>
           </a:p>
           <a:p>
             <a:pPr>
@@ -4404,81 +4273,9 @@
               </a:spcBef>
             </a:pPr>
             <a:r>
-              <a:rPr lang="de-DE" sz="1100" dirty="0"/>
-              <a:t>Sobald eine Idee im </a:t>
-            </a:r>
-            <a:r>
-              <a:rPr lang="de-DE" sz="1100" dirty="0" err="1"/>
-              <a:t>Backlog</a:t>
-            </a:r>
-            <a:r>
-              <a:rPr lang="de-DE" sz="1100" dirty="0"/>
-              <a:t> ist, kann jedes Teammitglied diese Idee </a:t>
-            </a:r>
-            <a:r>
               <a:rPr lang="de-DE" sz="1100" dirty="0" smtClean="0"/>
-              <a:t>von 1 - 5 </a:t>
-            </a:r>
-            <a:r>
-              <a:rPr lang="de-DE" sz="1100" dirty="0"/>
-              <a:t>Sternen bewerten, </a:t>
-            </a:r>
-            <a:r>
-              <a:rPr lang="de-DE" sz="1100" dirty="0" smtClean="0"/>
-              <a:t>wobei </a:t>
-            </a:r>
-            <a:r>
-              <a:rPr lang="de-DE" sz="1100" dirty="0"/>
-              <a:t>5 </a:t>
-            </a:r>
-            <a:r>
-              <a:rPr lang="de-DE" sz="1100" dirty="0" smtClean="0"/>
-              <a:t>„großartig“ </a:t>
-            </a:r>
-            <a:r>
-              <a:rPr lang="de-DE" sz="1100" dirty="0"/>
-              <a:t>und 1 </a:t>
-            </a:r>
-            <a:r>
-              <a:rPr lang="de-DE" sz="1100" dirty="0" smtClean="0"/>
-              <a:t>„</a:t>
-            </a:r>
-            <a:r>
-              <a:rPr lang="de-DE" sz="1100" dirty="0" err="1" smtClean="0"/>
-              <a:t>grottig</a:t>
-            </a:r>
-            <a:r>
-              <a:rPr lang="de-DE" sz="1100" dirty="0" smtClean="0"/>
-              <a:t>“ ist</a:t>
-            </a:r>
-            <a:r>
-              <a:rPr lang="de-DE" sz="1100" dirty="0"/>
-              <a:t>. Klebt </a:t>
-            </a:r>
-            <a:r>
-              <a:rPr lang="de-DE" sz="1100" dirty="0" smtClean="0"/>
-              <a:t>für jeden </a:t>
-            </a:r>
-            <a:r>
-              <a:rPr lang="de-DE" sz="1100" dirty="0"/>
-              <a:t>vergebenen </a:t>
-            </a:r>
-            <a:r>
-              <a:rPr lang="de-DE" sz="1100" dirty="0" smtClean="0"/>
-              <a:t>Stern </a:t>
-            </a:r>
-            <a:br>
-              <a:rPr lang="de-DE" sz="1100" dirty="0" smtClean="0"/>
-            </a:br>
-            <a:r>
-              <a:rPr lang="de-DE" sz="1100" dirty="0" smtClean="0"/>
-              <a:t>jeweils einen Klebepunkt auf </a:t>
-            </a:r>
-            <a:r>
-              <a:rPr lang="de-DE" sz="1100" dirty="0"/>
-              <a:t>die Idee.</a:t>
-            </a:r>
-            <a:endParaRPr lang="de-DE" sz="1100" dirty="0"/>
+              <a:t>Malt Euch an das Team Board oder auf ein Flipchart ein Koordinatenkreuz mit den Achsen Umsetzbarkeit (Schwierig/Einfach) und  Auswirkung (hoch/niedrig). </a:t>
+            </a:r>
           </a:p>
           <a:p>
             <a:pPr>
@@ -4490,16 +4287,93 @@
               </a:spcBef>
             </a:pPr>
             <a:r>
+              <a:rPr lang="de-DE" sz="1100" dirty="0" smtClean="0"/>
+              <a:t>Nehmt </a:t>
+            </a:r>
+            <a:r>
               <a:rPr lang="de-DE" sz="1100" dirty="0"/>
-              <a:t>Lasst Eurer </a:t>
-            </a:r>
-            <a:r>
-              <a:rPr lang="de-DE" sz="1100" dirty="0" err="1"/>
-              <a:t>Backlog</a:t>
+              <a:t>Euch einen der </a:t>
+            </a:r>
+            <a:r>
+              <a:rPr lang="de-DE" sz="1100" dirty="0" smtClean="0"/>
+              <a:t>Klebezettel, sprecht </a:t>
             </a:r>
             <a:r>
               <a:rPr lang="de-DE" sz="1100" dirty="0"/>
-              <a:t> noch 2 Wochen nachwirken und füllt es unter der Zeit mit </a:t>
+              <a:t>über die </a:t>
+            </a:r>
+            <a:r>
+              <a:rPr lang="de-DE" sz="1100" dirty="0" smtClean="0"/>
+              <a:t>Idee und positioniert ihn im Koordinatenkreuz dort, wo er Eurer Team-Meinung nach passt.</a:t>
+            </a:r>
+          </a:p>
+          <a:p>
+            <a:pPr>
+              <a:lnSpc>
+                <a:spcPts val="1400"/>
+              </a:lnSpc>
+              <a:spcBef>
+                <a:spcPts val="800"/>
+              </a:spcBef>
+            </a:pPr>
+            <a:r>
+              <a:rPr lang="de-DE" sz="1100" dirty="0" smtClean="0"/>
+              <a:t>Verfahrt </a:t>
+            </a:r>
+            <a:r>
+              <a:rPr lang="de-DE" sz="1100" dirty="0"/>
+              <a:t>so mit den weiteren Zetteln, bis alle alle Zettel </a:t>
+            </a:r>
+            <a:r>
+              <a:rPr lang="de-DE" sz="1100" dirty="0" smtClean="0"/>
+              <a:t>im Koordinatenkreuz ihren </a:t>
+            </a:r>
+            <a:r>
+              <a:rPr lang="de-DE" sz="1100" dirty="0"/>
+              <a:t>Platz haben. Die nach Ansicht </a:t>
+            </a:r>
+            <a:r>
+              <a:rPr lang="de-DE" sz="1100" dirty="0" smtClean="0"/>
+              <a:t>Eures Teams von Umsetzbarkeit und Auswirkung her erfolgversprechendsten </a:t>
+            </a:r>
+            <a:r>
+              <a:rPr lang="de-DE" sz="1100" dirty="0"/>
+              <a:t>Ideen finden sich im Quadranten </a:t>
+            </a:r>
+            <a:r>
+              <a:rPr lang="de-DE" sz="1100" dirty="0" smtClean="0"/>
+              <a:t>„einfache Umsetzbarkeit/ hohe Auswirkung“.</a:t>
+            </a:r>
+            <a:endParaRPr lang="de-DE" sz="1100" dirty="0"/>
+          </a:p>
+          <a:p>
+            <a:pPr>
+              <a:lnSpc>
+                <a:spcPts val="1400"/>
+              </a:lnSpc>
+              <a:spcBef>
+                <a:spcPts val="800"/>
+              </a:spcBef>
+            </a:pPr>
+            <a:r>
+              <a:rPr lang="de-DE" sz="1100" dirty="0"/>
+              <a:t>Arbeitet nach dem Workshop mit </a:t>
+            </a:r>
+            <a:r>
+              <a:rPr lang="de-DE" sz="1100" dirty="0" smtClean="0"/>
+              <a:t>Drain </a:t>
+            </a:r>
+            <a:r>
+              <a:rPr lang="de-DE" sz="1100" dirty="0" err="1" smtClean="0"/>
+              <a:t>Snake</a:t>
+            </a:r>
+            <a:r>
+              <a:rPr lang="de-DE" sz="1100" dirty="0" smtClean="0"/>
+              <a:t> und Aktualisierungstreffen </a:t>
+            </a:r>
+            <a:r>
+              <a:rPr lang="de-DE" sz="1100" dirty="0"/>
+              <a:t>weiter. </a:t>
             </a:r>
             <a:r>
               <a:rPr lang="de-DE" sz="1100" dirty="0" smtClean="0"/>
@@ -4510,11 +4384,15 @@
             </a:br>
             <a:r>
               <a:rPr lang="de-DE" sz="1100" dirty="0" smtClean="0"/>
-              <a:t>weiteren </a:t>
+              <a:t>Der </a:t>
             </a:r>
             <a:r>
               <a:rPr lang="de-DE" sz="1100" dirty="0"/>
-              <a:t>Trainingsideen, die Euch während der Arbeit einfallen, und bewertet sie.</a:t>
+              <a:t>Workshop ist ein Startpunkt. Die eigentliche Arbeit beginnt nach Ende des </a:t>
+            </a:r>
+            <a:r>
+              <a:rPr lang="de-DE" sz="1100" dirty="0" smtClean="0"/>
+              <a:t>Workshops.</a:t>
             </a:r>
             <a:endParaRPr lang="de-DE" sz="1100" dirty="0"/>
           </a:p>
